--- a/Reports/QB-Finalfinal final [Autosaved].pptx
+++ b/Reports/QB-Finalfinal final [Autosaved].pptx
@@ -5,7 +5,7 @@
     <p:sldMasterId id="2147483923" r:id="rId1"/>
   </p:sldMasterIdLst>
   <p:notesMasterIdLst>
-    <p:notesMasterId r:id="rId24"/>
+    <p:notesMasterId r:id="rId25"/>
   </p:notesMasterIdLst>
   <p:sldIdLst>
     <p:sldId id="256" r:id="rId2"/>
@@ -22,14 +22,15 @@
     <p:sldId id="307" r:id="rId13"/>
     <p:sldId id="308" r:id="rId14"/>
     <p:sldId id="309" r:id="rId15"/>
-    <p:sldId id="310" r:id="rId16"/>
-    <p:sldId id="311" r:id="rId17"/>
-    <p:sldId id="312" r:id="rId18"/>
+    <p:sldId id="311" r:id="rId16"/>
+    <p:sldId id="312" r:id="rId17"/>
+    <p:sldId id="315" r:id="rId18"/>
     <p:sldId id="314" r:id="rId19"/>
-    <p:sldId id="313" r:id="rId20"/>
-    <p:sldId id="289" r:id="rId21"/>
-    <p:sldId id="292" r:id="rId22"/>
-    <p:sldId id="293" r:id="rId23"/>
+    <p:sldId id="316" r:id="rId20"/>
+    <p:sldId id="313" r:id="rId21"/>
+    <p:sldId id="289" r:id="rId22"/>
+    <p:sldId id="292" r:id="rId23"/>
+    <p:sldId id="293" r:id="rId24"/>
   </p:sldIdLst>
   <p:sldSz cx="12192000" cy="6858000"/>
   <p:notesSz cx="6858000" cy="9144000"/>
@@ -7781,8 +7782,8 @@
     <dgm:cxn modelId="{FEA0FF56-CE02-4418-9B2F-D4495099AA21}" srcId="{B0D9C86A-B84A-4178-9983-F8D83C2A21C8}" destId="{AEA09F85-23B1-4524-A60A-828EA66B78AD}" srcOrd="4" destOrd="0" parTransId="{1E93C702-BC13-4020-8A29-F6FF58D00068}" sibTransId="{3A7807E3-FB02-4B0C-9429-7E7B9E740234}"/>
     <dgm:cxn modelId="{304EA282-36D7-4A27-89B0-EFC38000E1FD}" type="presOf" srcId="{F8E2F5A5-CFB2-47C5-9B0F-FBBEA6659286}" destId="{8C5C59C8-23AB-4350-851C-CA70FA1DE99E}" srcOrd="0" destOrd="0" presId="urn:microsoft.com/office/officeart/2005/8/layout/bProcess3"/>
     <dgm:cxn modelId="{C45059D7-DC3D-4CE0-A9EC-E0ADDCDEA734}" type="presOf" srcId="{E2840F0B-0C52-4922-8A47-00F63F257D10}" destId="{0A3571B8-48A6-4A4C-9151-5DD654558AB8}" srcOrd="0" destOrd="0" presId="urn:microsoft.com/office/officeart/2005/8/layout/bProcess3"/>
+    <dgm:cxn modelId="{1F4F4FA9-1D15-4EBD-882F-13923A23E863}" srcId="{B0D9C86A-B84A-4178-9983-F8D83C2A21C8}" destId="{142AE736-8D0E-4ADC-8CF9-E581FF1EBDD1}" srcOrd="1" destOrd="0" parTransId="{0468D845-DDBE-48CC-9C84-C458A2CD335E}" sibTransId="{A7C32715-1FDC-43B4-AC56-051F5F7B77BE}"/>
     <dgm:cxn modelId="{9D16EBA9-D072-4404-80C0-5AEE76733C47}" type="presOf" srcId="{5B7DACBE-5EF1-481D-94FE-10708EA46501}" destId="{737FC889-1CAD-4D00-981A-2953C8336D3B}" srcOrd="0" destOrd="0" presId="urn:microsoft.com/office/officeart/2005/8/layout/bProcess3"/>
-    <dgm:cxn modelId="{1F4F4FA9-1D15-4EBD-882F-13923A23E863}" srcId="{B0D9C86A-B84A-4178-9983-F8D83C2A21C8}" destId="{142AE736-8D0E-4ADC-8CF9-E581FF1EBDD1}" srcOrd="1" destOrd="0" parTransId="{0468D845-DDBE-48CC-9C84-C458A2CD335E}" sibTransId="{A7C32715-1FDC-43B4-AC56-051F5F7B77BE}"/>
     <dgm:cxn modelId="{BA8D2F43-7A60-454B-97CA-A34242F6CCF3}" type="presOf" srcId="{F38FCAD5-3119-4C9E-906E-1FCD1A08A055}" destId="{7AAA38D4-A3A7-4F7E-973C-610915F39A22}" srcOrd="1" destOrd="0" presId="urn:microsoft.com/office/officeart/2005/8/layout/bProcess3"/>
     <dgm:cxn modelId="{7A3D4A68-59C4-47CC-B552-DF6D8FB7374C}" type="presOf" srcId="{3A7807E3-FB02-4B0C-9429-7E7B9E740234}" destId="{F5457F37-D9F9-4964-ADE4-EEDE251EB1DA}" srcOrd="0" destOrd="0" presId="urn:microsoft.com/office/officeart/2005/8/layout/bProcess3"/>
     <dgm:cxn modelId="{2B94BCD5-FDC4-4EBA-8FDA-F1129E8282EF}" type="presOf" srcId="{A7C32715-1FDC-43B4-AC56-051F5F7B77BE}" destId="{B3EA33FB-9BB5-457C-8AE3-7F0F66D71669}" srcOrd="0" destOrd="0" presId="urn:microsoft.com/office/officeart/2005/8/layout/bProcess3"/>
@@ -27572,8 +27573,13 @@
             </a:r>
             <a:r>
               <a:rPr lang="en-IN" dirty="0" smtClean="0"/>
-              <a:t> Tahir </a:t>
+              <a:t> </a:t>
             </a:r>
+            <a:r>
+              <a:rPr lang="en-IN" dirty="0" smtClean="0"/>
+              <a:t>Tahir R </a:t>
+            </a:r>
+            <a:endParaRPr lang="en-IN" dirty="0" smtClean="0"/>
           </a:p>
           <a:p>
             <a:r>
@@ -27693,9 +27699,14 @@
               <a:t>Each item contains an RFID tag. This tag is read by the RFID sensor and is sent to the </a:t>
             </a:r>
             <a:r>
+              <a:rPr lang="en-IN" dirty="0" err="1" smtClean="0"/>
+              <a:t>nodemcu</a:t>
+            </a:r>
+            <a:r>
               <a:rPr lang="en-IN" dirty="0" smtClean="0"/>
-              <a:t>Arduino.</a:t>
+              <a:t>.</a:t>
             </a:r>
+            <a:endParaRPr lang="en-IN" dirty="0" smtClean="0"/>
           </a:p>
           <a:p>
             <a:pPr marL="457200" lvl="1" indent="0">
@@ -27931,8 +27942,8 @@
         </p:blipFill>
         <p:spPr bwMode="auto">
           <a:xfrm>
-            <a:off x="3241963" y="2895600"/>
-            <a:ext cx="6082146" cy="3467284"/>
+            <a:off x="3982171" y="3004921"/>
+            <a:ext cx="2961409" cy="1688227"/>
           </a:xfrm>
           <a:prstGeom prst="rect">
             <a:avLst/>
@@ -27947,6 +27958,36 @@
               </a14:hiddenFill>
             </a:ext>
           </a:extLst>
+        </p:spPr>
+      </p:pic>
+      <p:pic>
+        <p:nvPicPr>
+          <p:cNvPr id="5" name="Picture 4"/>
+          <p:cNvPicPr>
+            <a:picLocks noChangeAspect="1"/>
+          </p:cNvPicPr>
+          <p:nvPr/>
+        </p:nvPicPr>
+        <p:blipFill>
+          <a:blip r:embed="rId3">
+            <a:extLst>
+              <a:ext uri="{28A0092B-C50C-407E-A947-70E740481C1C}">
+                <a14:useLocalDpi xmlns:a14="http://schemas.microsoft.com/office/drawing/2010/main" val="0"/>
+              </a:ext>
+            </a:extLst>
+          </a:blip>
+          <a:stretch>
+            <a:fillRect/>
+          </a:stretch>
+        </p:blipFill>
+        <p:spPr>
+          <a:xfrm>
+            <a:off x="3760476" y="2820762"/>
+            <a:ext cx="3973823" cy="2253611"/>
+          </a:xfrm>
+          <a:prstGeom prst="rect">
+            <a:avLst/>
+          </a:prstGeom>
         </p:spPr>
       </p:pic>
     </p:spTree>
@@ -28098,7 +28139,19 @@
           <a:p>
             <a:r>
               <a:rPr lang="en-IN" dirty="0" smtClean="0"/>
-              <a:t>Sending data from Arduino to LCD display</a:t>
+              <a:t>Sending data from </a:t>
+            </a:r>
+            <a:r>
+              <a:rPr lang="en-IN" dirty="0" err="1" smtClean="0"/>
+              <a:t>nodemcu</a:t>
+            </a:r>
+            <a:r>
+              <a:rPr lang="en-IN" dirty="0" smtClean="0"/>
+              <a:t> to </a:t>
+            </a:r>
+            <a:r>
+              <a:rPr lang="en-IN" dirty="0" smtClean="0"/>
+              <a:t>LCD display</a:t>
             </a:r>
             <a:endParaRPr lang="en-IN" dirty="0"/>
           </a:p>
@@ -28897,7 +28950,12 @@
             <p:ph type="title"/>
           </p:nvPr>
         </p:nvSpPr>
-        <p:spPr/>
+        <p:spPr>
+          <a:xfrm>
+            <a:off x="1484309" y="-381000"/>
+            <a:ext cx="10018713" cy="1752599"/>
+          </a:xfrm>
+        </p:spPr>
         <p:txBody>
           <a:bodyPr/>
           <a:lstStyle/>
@@ -28910,25 +28968,36 @@
           </a:p>
         </p:txBody>
       </p:sp>
-      <p:sp>
-        <p:nvSpPr>
-          <p:cNvPr id="3" name="Content Placeholder 2"/>
-          <p:cNvSpPr>
-            <a:spLocks noGrp="1"/>
-          </p:cNvSpPr>
-          <p:nvPr>
-            <p:ph idx="1"/>
-          </p:nvPr>
-        </p:nvSpPr>
-        <p:spPr/>
-        <p:txBody>
-          <a:bodyPr/>
-          <a:lstStyle/>
-          <a:p>
-            <a:endParaRPr lang="en-IN" dirty="0"/>
-          </a:p>
-        </p:txBody>
-      </p:sp>
+      <p:pic>
+        <p:nvPicPr>
+          <p:cNvPr id="4" name="Picture 3"/>
+          <p:cNvPicPr>
+            <a:picLocks noChangeAspect="1"/>
+          </p:cNvPicPr>
+          <p:nvPr/>
+        </p:nvPicPr>
+        <p:blipFill>
+          <a:blip r:embed="rId2">
+            <a:extLst>
+              <a:ext uri="{28A0092B-C50C-407E-A947-70E740481C1C}">
+                <a14:useLocalDpi xmlns:a14="http://schemas.microsoft.com/office/drawing/2010/main" val="0"/>
+              </a:ext>
+            </a:extLst>
+          </a:blip>
+          <a:stretch>
+            <a:fillRect/>
+          </a:stretch>
+        </p:blipFill>
+        <p:spPr>
+          <a:xfrm>
+            <a:off x="1965325" y="1079500"/>
+            <a:ext cx="9277350" cy="2590800"/>
+          </a:xfrm>
+          <a:prstGeom prst="rect">
+            <a:avLst/>
+          </a:prstGeom>
+        </p:spPr>
+      </p:pic>
     </p:spTree>
     <p:extLst>
       <p:ext uri="{BB962C8B-B14F-4D97-AF65-F5344CB8AC3E}">
@@ -28950,81 +29019,6 @@
 </file>
 
 <file path=ppt/slides/slide15.xml><?xml version="1.0" encoding="utf-8"?>
-<p:sld xmlns:a="http://schemas.openxmlformats.org/drawingml/2006/main" xmlns:r="http://schemas.openxmlformats.org/officeDocument/2006/relationships" xmlns:p="http://schemas.openxmlformats.org/presentationml/2006/main">
-  <p:cSld>
-    <p:spTree>
-      <p:nvGrpSpPr>
-        <p:cNvPr id="1" name=""/>
-        <p:cNvGrpSpPr/>
-        <p:nvPr/>
-      </p:nvGrpSpPr>
-      <p:grpSpPr>
-        <a:xfrm>
-          <a:off x="0" y="0"/>
-          <a:ext cx="0" cy="0"/>
-          <a:chOff x="0" y="0"/>
-          <a:chExt cx="0" cy="0"/>
-        </a:xfrm>
-      </p:grpSpPr>
-      <p:sp>
-        <p:nvSpPr>
-          <p:cNvPr id="2" name="Title 1"/>
-          <p:cNvSpPr>
-            <a:spLocks noGrp="1"/>
-          </p:cNvSpPr>
-          <p:nvPr>
-            <p:ph type="title"/>
-          </p:nvPr>
-        </p:nvSpPr>
-        <p:spPr/>
-        <p:txBody>
-          <a:bodyPr/>
-          <a:lstStyle/>
-          <a:p>
-            <a:endParaRPr lang="en-IN"/>
-          </a:p>
-        </p:txBody>
-      </p:sp>
-      <p:sp>
-        <p:nvSpPr>
-          <p:cNvPr id="3" name="Content Placeholder 2"/>
-          <p:cNvSpPr>
-            <a:spLocks noGrp="1"/>
-          </p:cNvSpPr>
-          <p:nvPr>
-            <p:ph idx="1"/>
-          </p:nvPr>
-        </p:nvSpPr>
-        <p:spPr/>
-        <p:txBody>
-          <a:bodyPr/>
-          <a:lstStyle/>
-          <a:p>
-            <a:endParaRPr lang="en-IN"/>
-          </a:p>
-        </p:txBody>
-      </p:sp>
-    </p:spTree>
-    <p:extLst>
-      <p:ext uri="{BB962C8B-B14F-4D97-AF65-F5344CB8AC3E}">
-        <p14:creationId xmlns:p14="http://schemas.microsoft.com/office/powerpoint/2010/main" val="3970063011"/>
-      </p:ext>
-    </p:extLst>
-  </p:cSld>
-  <p:clrMapOvr>
-    <a:masterClrMapping/>
-  </p:clrMapOvr>
-  <p:timing>
-    <p:tnLst>
-      <p:par>
-        <p:cTn id="1" dur="indefinite" restart="never" nodeType="tmRoot"/>
-      </p:par>
-    </p:tnLst>
-  </p:timing>
-</p:sld>
-</file>
-
-<file path=ppt/slides/slide16.xml><?xml version="1.0" encoding="utf-8"?>
 <p:sld xmlns:a="http://schemas.openxmlformats.org/drawingml/2006/main" xmlns:r="http://schemas.openxmlformats.org/officeDocument/2006/relationships" xmlns:p="http://schemas.openxmlformats.org/presentationml/2006/main">
   <p:cSld>
     <p:spTree>
@@ -29119,6 +29113,95 @@
 </p:sld>
 </file>
 
+<file path=ppt/slides/slide16.xml><?xml version="1.0" encoding="utf-8"?>
+<p:sld xmlns:a="http://schemas.openxmlformats.org/drawingml/2006/main" xmlns:r="http://schemas.openxmlformats.org/officeDocument/2006/relationships" xmlns:p="http://schemas.openxmlformats.org/presentationml/2006/main">
+  <p:cSld>
+    <p:spTree>
+      <p:nvGrpSpPr>
+        <p:cNvPr id="1" name=""/>
+        <p:cNvGrpSpPr/>
+        <p:nvPr/>
+      </p:nvGrpSpPr>
+      <p:grpSpPr>
+        <a:xfrm>
+          <a:off x="0" y="0"/>
+          <a:ext cx="0" cy="0"/>
+          <a:chOff x="0" y="0"/>
+          <a:chExt cx="0" cy="0"/>
+        </a:xfrm>
+      </p:grpSpPr>
+      <p:sp>
+        <p:nvSpPr>
+          <p:cNvPr id="2" name="Title 1"/>
+          <p:cNvSpPr>
+            <a:spLocks noGrp="1"/>
+          </p:cNvSpPr>
+          <p:nvPr>
+            <p:ph type="title"/>
+          </p:nvPr>
+        </p:nvSpPr>
+        <p:spPr>
+          <a:xfrm>
+            <a:off x="1014411" y="0"/>
+            <a:ext cx="10018713" cy="1181100"/>
+          </a:xfrm>
+        </p:spPr>
+        <p:txBody>
+          <a:bodyPr/>
+          <a:lstStyle/>
+          <a:p>
+            <a:r>
+              <a:rPr lang="en-IN" dirty="0" smtClean="0"/>
+              <a:t>Sample webpage displayed to the user</a:t>
+            </a:r>
+            <a:endParaRPr lang="en-IN" dirty="0"/>
+          </a:p>
+        </p:txBody>
+      </p:sp>
+      <p:pic>
+        <p:nvPicPr>
+          <p:cNvPr id="4" name="Picture 3"/>
+          <p:cNvPicPr>
+            <a:picLocks noChangeAspect="1"/>
+          </p:cNvPicPr>
+          <p:nvPr/>
+        </p:nvPicPr>
+        <p:blipFill>
+          <a:blip r:embed="rId2"/>
+          <a:stretch>
+            <a:fillRect/>
+          </a:stretch>
+        </p:blipFill>
+        <p:spPr>
+          <a:xfrm>
+            <a:off x="2422525" y="1119187"/>
+            <a:ext cx="6838950" cy="5534025"/>
+          </a:xfrm>
+          <a:prstGeom prst="rect">
+            <a:avLst/>
+          </a:prstGeom>
+        </p:spPr>
+      </p:pic>
+    </p:spTree>
+    <p:extLst>
+      <p:ext uri="{BB962C8B-B14F-4D97-AF65-F5344CB8AC3E}">
+        <p14:creationId xmlns:p14="http://schemas.microsoft.com/office/powerpoint/2010/main" val="813121481"/>
+      </p:ext>
+    </p:extLst>
+  </p:cSld>
+  <p:clrMapOvr>
+    <a:masterClrMapping/>
+  </p:clrMapOvr>
+  <p:timing>
+    <p:tnLst>
+      <p:par>
+        <p:cTn id="1" dur="indefinite" restart="never" nodeType="tmRoot"/>
+      </p:par>
+    </p:tnLst>
+  </p:timing>
+</p:sld>
+</file>
+
 <file path=ppt/slides/slide17.xml><?xml version="1.0" encoding="utf-8"?>
 <p:sld xmlns:a="http://schemas.openxmlformats.org/drawingml/2006/main" xmlns:r="http://schemas.openxmlformats.org/officeDocument/2006/relationships" xmlns:p="http://schemas.openxmlformats.org/presentationml/2006/main">
   <p:cSld>
@@ -29146,14 +29229,19 @@
             <p:ph type="title"/>
           </p:nvPr>
         </p:nvSpPr>
-        <p:spPr/>
+        <p:spPr>
+          <a:xfrm>
+            <a:off x="1086643" y="-177800"/>
+            <a:ext cx="10018713" cy="1752599"/>
+          </a:xfrm>
+        </p:spPr>
         <p:txBody>
           <a:bodyPr/>
           <a:lstStyle/>
           <a:p>
             <a:r>
               <a:rPr lang="en-IN" dirty="0" smtClean="0"/>
-              <a:t>Sample webpage displayed to the user</a:t>
+              <a:t>The server side</a:t>
             </a:r>
             <a:endParaRPr lang="en-IN" dirty="0"/>
           </a:p>
@@ -29174,14 +29262,38 @@
           <a:bodyPr/>
           <a:lstStyle/>
           <a:p>
-            <a:endParaRPr lang="en-IN" dirty="0"/>
+            <a:endParaRPr lang="en-IN"/>
           </a:p>
         </p:txBody>
       </p:sp>
+      <p:pic>
+        <p:nvPicPr>
+          <p:cNvPr id="4" name="Picture 3"/>
+          <p:cNvPicPr>
+            <a:picLocks noChangeAspect="1"/>
+          </p:cNvPicPr>
+          <p:nvPr/>
+        </p:nvPicPr>
+        <p:blipFill>
+          <a:blip r:embed="rId2"/>
+          <a:stretch>
+            <a:fillRect/>
+          </a:stretch>
+        </p:blipFill>
+        <p:spPr>
+          <a:xfrm>
+            <a:off x="438150" y="1228725"/>
+            <a:ext cx="11315700" cy="4400550"/>
+          </a:xfrm>
+          <a:prstGeom prst="rect">
+            <a:avLst/>
+          </a:prstGeom>
+        </p:spPr>
+      </p:pic>
     </p:spTree>
     <p:extLst>
       <p:ext uri="{BB962C8B-B14F-4D97-AF65-F5344CB8AC3E}">
-        <p14:creationId xmlns:p14="http://schemas.microsoft.com/office/powerpoint/2010/main" val="813121481"/>
+        <p14:creationId xmlns:p14="http://schemas.microsoft.com/office/powerpoint/2010/main" val="624300929"/>
       </p:ext>
     </p:extLst>
   </p:cSld>
@@ -29320,12 +29432,21 @@
             <p:ph type="title"/>
           </p:nvPr>
         </p:nvSpPr>
-        <p:spPr/>
+        <p:spPr>
+          <a:xfrm>
+            <a:off x="1306511" y="-266700"/>
+            <a:ext cx="10018713" cy="1752599"/>
+          </a:xfrm>
+        </p:spPr>
         <p:txBody>
           <a:bodyPr/>
           <a:lstStyle/>
           <a:p>
-            <a:endParaRPr lang="en-IN"/>
+            <a:r>
+              <a:rPr lang="en-IN" dirty="0" smtClean="0"/>
+              <a:t>Need of Machine Learning</a:t>
+            </a:r>
+            <a:endParaRPr lang="en-IN" dirty="0"/>
           </a:p>
         </p:txBody>
       </p:sp>
@@ -29339,19 +29460,154 @@
             <p:ph idx="1"/>
           </p:nvPr>
         </p:nvSpPr>
-        <p:spPr/>
+        <p:spPr>
+          <a:xfrm>
+            <a:off x="1535110" y="876299"/>
+            <a:ext cx="10018713" cy="3124201"/>
+          </a:xfrm>
+        </p:spPr>
         <p:txBody>
           <a:bodyPr/>
           <a:lstStyle/>
           <a:p>
-            <a:endParaRPr lang="en-IN"/>
+            <a:r>
+              <a:rPr lang="en-IN" dirty="0" smtClean="0"/>
+              <a:t>Approach used: Random Forest</a:t>
+            </a:r>
+          </a:p>
+          <a:p>
+            <a:pPr lvl="1"/>
+            <a:r>
+              <a:rPr lang="en-IN" dirty="0"/>
+              <a:t>Random forests or random decision forests are an </a:t>
+            </a:r>
+            <a:r>
+              <a:rPr lang="en-IN" b="1" dirty="0"/>
+              <a:t>ensemble</a:t>
+            </a:r>
+            <a:r>
+              <a:rPr lang="en-IN" dirty="0"/>
+              <a:t> learning method for classification, regression and other tasks, that operate by constructing a multitude of decision trees at training time and outputting the class that is the mode of the classes (classification)</a:t>
+            </a:r>
+          </a:p>
+        </p:txBody>
+      </p:sp>
+      <p:pic>
+        <p:nvPicPr>
+          <p:cNvPr id="4" name="Picture 3"/>
+          <p:cNvPicPr>
+            <a:picLocks noChangeAspect="1"/>
+          </p:cNvPicPr>
+          <p:nvPr/>
+        </p:nvPicPr>
+        <p:blipFill>
+          <a:blip r:embed="rId2">
+            <a:extLst>
+              <a:ext uri="{28A0092B-C50C-407E-A947-70E740481C1C}">
+                <a14:useLocalDpi xmlns:a14="http://schemas.microsoft.com/office/drawing/2010/main" val="0"/>
+              </a:ext>
+            </a:extLst>
+          </a:blip>
+          <a:stretch>
+            <a:fillRect/>
+          </a:stretch>
+        </p:blipFill>
+        <p:spPr>
+          <a:xfrm>
+            <a:off x="5934866" y="2973387"/>
+            <a:ext cx="6096000" cy="3019425"/>
+          </a:xfrm>
+          <a:prstGeom prst="rect">
+            <a:avLst/>
+          </a:prstGeom>
+        </p:spPr>
+      </p:pic>
+      <p:sp>
+        <p:nvSpPr>
+          <p:cNvPr id="5" name="TextBox 4"/>
+          <p:cNvSpPr txBox="1"/>
+          <p:nvPr/>
+        </p:nvSpPr>
+        <p:spPr>
+          <a:xfrm>
+            <a:off x="1535110" y="4000500"/>
+            <a:ext cx="3820277" cy="1477328"/>
+          </a:xfrm>
+          <a:prstGeom prst="rect">
+            <a:avLst/>
+          </a:prstGeom>
+          <a:noFill/>
+        </p:spPr>
+        <p:txBody>
+          <a:bodyPr wrap="none" rtlCol="0">
+            <a:spAutoFit/>
+          </a:bodyPr>
+          <a:lstStyle/>
+          <a:p>
+            <a:r>
+              <a:rPr lang="en-IN" dirty="0" smtClean="0"/>
+              <a:t>Features chosen for recommendation:</a:t>
+            </a:r>
+          </a:p>
+          <a:p>
+            <a:pPr marL="742950" lvl="1" indent="-285750">
+              <a:buClr>
+                <a:schemeClr val="accent1"/>
+              </a:buClr>
+              <a:buFont typeface="Arial" panose="020B0604020202020204" pitchFamily="34" charset="0"/>
+              <a:buChar char="•"/>
+            </a:pPr>
+            <a:r>
+              <a:rPr lang="en-IN" dirty="0" smtClean="0"/>
+              <a:t>Rank</a:t>
+            </a:r>
+          </a:p>
+          <a:p>
+            <a:pPr marL="742950" lvl="1" indent="-285750">
+              <a:buClr>
+                <a:schemeClr val="accent1"/>
+              </a:buClr>
+              <a:buFont typeface="Arial" panose="020B0604020202020204" pitchFamily="34" charset="0"/>
+              <a:buChar char="•"/>
+            </a:pPr>
+            <a:r>
+              <a:rPr lang="en-IN" dirty="0" smtClean="0"/>
+              <a:t>Fibre</a:t>
+            </a:r>
+          </a:p>
+          <a:p>
+            <a:pPr marL="742950" lvl="1" indent="-285750">
+              <a:buClr>
+                <a:schemeClr val="accent1"/>
+              </a:buClr>
+              <a:buFont typeface="Arial" panose="020B0604020202020204" pitchFamily="34" charset="0"/>
+              <a:buChar char="•"/>
+            </a:pPr>
+            <a:r>
+              <a:rPr lang="en-IN" dirty="0" smtClean="0"/>
+              <a:t>Colour</a:t>
+            </a:r>
+          </a:p>
+          <a:p>
+            <a:pPr marL="742950" lvl="1" indent="-285750">
+              <a:buClr>
+                <a:schemeClr val="accent1"/>
+              </a:buClr>
+              <a:buFont typeface="Arial" panose="020B0604020202020204" pitchFamily="34" charset="0"/>
+              <a:buChar char="•"/>
+            </a:pPr>
+            <a:r>
+              <a:rPr lang="en-IN" dirty="0" smtClean="0"/>
+              <a:t>Type</a:t>
+            </a:r>
+            <a:endParaRPr lang="en-IN" dirty="0"/>
           </a:p>
         </p:txBody>
       </p:sp>
     </p:spTree>
     <p:extLst>
       <p:ext uri="{BB962C8B-B14F-4D97-AF65-F5344CB8AC3E}">
-        <p14:creationId xmlns:p14="http://schemas.microsoft.com/office/powerpoint/2010/main" val="3280631440"/>
+        <p14:creationId xmlns:p14="http://schemas.microsoft.com/office/powerpoint/2010/main" val="3968227272"/>
       </p:ext>
     </p:extLst>
   </p:cSld>
@@ -29427,7 +29683,19 @@
           <a:p>
             <a:r>
               <a:rPr lang="en-IN" dirty="0" smtClean="0"/>
-              <a:t>To move the billing system to the basket.</a:t>
+              <a:t>A smart way to incorporate the </a:t>
+            </a:r>
+            <a:r>
+              <a:rPr lang="en-IN" dirty="0" smtClean="0"/>
+              <a:t>billing system </a:t>
+            </a:r>
+            <a:r>
+              <a:rPr lang="en-IN" dirty="0" smtClean="0"/>
+              <a:t>in </a:t>
+            </a:r>
+            <a:r>
+              <a:rPr lang="en-IN" dirty="0" smtClean="0"/>
+              <a:t>the basket.</a:t>
             </a:r>
           </a:p>
           <a:p>
@@ -29445,13 +29713,21 @@
           <a:p>
             <a:r>
               <a:rPr lang="en-IN" dirty="0" smtClean="0"/>
-              <a:t>A solution in festive periods</a:t>
+              <a:t>A smart </a:t>
+            </a:r>
+            <a:r>
+              <a:rPr lang="en-IN" dirty="0" smtClean="0"/>
+              <a:t>solution in festive periods</a:t>
             </a:r>
           </a:p>
           <a:p>
             <a:r>
               <a:rPr lang="en-IN" dirty="0" smtClean="0"/>
-              <a:t>Increase profits in stores</a:t>
+              <a:t>Helps increase </a:t>
+            </a:r>
+            <a:r>
+              <a:rPr lang="en-IN" dirty="0" smtClean="0"/>
+              <a:t>profits in stores</a:t>
             </a:r>
           </a:p>
           <a:p>
@@ -29484,6 +29760,176 @@
 </file>
 
 <file path=ppt/slides/slide20.xml><?xml version="1.0" encoding="utf-8"?>
+<p:sld xmlns:a="http://schemas.openxmlformats.org/drawingml/2006/main" xmlns:r="http://schemas.openxmlformats.org/officeDocument/2006/relationships" xmlns:p="http://schemas.openxmlformats.org/presentationml/2006/main">
+  <p:cSld>
+    <p:spTree>
+      <p:nvGrpSpPr>
+        <p:cNvPr id="1" name=""/>
+        <p:cNvGrpSpPr/>
+        <p:nvPr/>
+      </p:nvGrpSpPr>
+      <p:grpSpPr>
+        <a:xfrm>
+          <a:off x="0" y="0"/>
+          <a:ext cx="0" cy="0"/>
+          <a:chOff x="0" y="0"/>
+          <a:chExt cx="0" cy="0"/>
+        </a:xfrm>
+      </p:grpSpPr>
+      <p:pic>
+        <p:nvPicPr>
+          <p:cNvPr id="9" name="Content Placeholder 8"/>
+          <p:cNvPicPr>
+            <a:picLocks noGrp="1" noChangeAspect="1"/>
+          </p:cNvPicPr>
+          <p:nvPr>
+            <p:ph idx="1"/>
+          </p:nvPr>
+        </p:nvPicPr>
+        <p:blipFill>
+          <a:blip r:embed="rId2"/>
+          <a:stretch>
+            <a:fillRect/>
+          </a:stretch>
+        </p:blipFill>
+        <p:spPr>
+          <a:xfrm>
+            <a:off x="6684166" y="1635455"/>
+            <a:ext cx="3987402" cy="2228700"/>
+          </a:xfrm>
+          <a:prstGeom prst="rect">
+            <a:avLst/>
+          </a:prstGeom>
+        </p:spPr>
+      </p:pic>
+      <p:pic>
+        <p:nvPicPr>
+          <p:cNvPr id="6" name="Picture 5"/>
+          <p:cNvPicPr>
+            <a:picLocks noChangeAspect="1"/>
+          </p:cNvPicPr>
+          <p:nvPr/>
+        </p:nvPicPr>
+        <p:blipFill>
+          <a:blip r:embed="rId3"/>
+          <a:stretch>
+            <a:fillRect/>
+          </a:stretch>
+        </p:blipFill>
+        <p:spPr>
+          <a:xfrm>
+            <a:off x="1585910" y="1327329"/>
+            <a:ext cx="4072634" cy="2536826"/>
+          </a:xfrm>
+          <a:prstGeom prst="rect">
+            <a:avLst/>
+          </a:prstGeom>
+        </p:spPr>
+      </p:pic>
+      <p:sp>
+        <p:nvSpPr>
+          <p:cNvPr id="7" name="TextBox 6"/>
+          <p:cNvSpPr txBox="1"/>
+          <p:nvPr/>
+        </p:nvSpPr>
+        <p:spPr>
+          <a:xfrm>
+            <a:off x="6684166" y="394731"/>
+            <a:ext cx="4034634" cy="1200329"/>
+          </a:xfrm>
+          <a:prstGeom prst="rect">
+            <a:avLst/>
+          </a:prstGeom>
+          <a:noFill/>
+        </p:spPr>
+        <p:txBody>
+          <a:bodyPr wrap="square" rtlCol="0">
+            <a:spAutoFit/>
+          </a:bodyPr>
+          <a:lstStyle/>
+          <a:p>
+            <a:r>
+              <a:rPr lang="en-IN" sz="2400" b="1" dirty="0" smtClean="0"/>
+              <a:t>Sample meta data uploaded after python pre-processing using pandas</a:t>
+            </a:r>
+            <a:endParaRPr lang="en-IN" sz="2400" b="1" dirty="0"/>
+          </a:p>
+        </p:txBody>
+      </p:sp>
+      <p:sp>
+        <p:nvSpPr>
+          <p:cNvPr id="8" name="TextBox 7"/>
+          <p:cNvSpPr txBox="1"/>
+          <p:nvPr/>
+        </p:nvSpPr>
+        <p:spPr>
+          <a:xfrm>
+            <a:off x="1701800" y="394731"/>
+            <a:ext cx="2377574" cy="461665"/>
+          </a:xfrm>
+          <a:prstGeom prst="rect">
+            <a:avLst/>
+          </a:prstGeom>
+          <a:noFill/>
+        </p:spPr>
+        <p:txBody>
+          <a:bodyPr wrap="none" rtlCol="0">
+            <a:spAutoFit/>
+          </a:bodyPr>
+          <a:lstStyle/>
+          <a:p>
+            <a:r>
+              <a:rPr lang="en-IN" sz="2400" b="1" dirty="0"/>
+              <a:t>Initial meta data</a:t>
+            </a:r>
+          </a:p>
+        </p:txBody>
+      </p:sp>
+      <p:pic>
+        <p:nvPicPr>
+          <p:cNvPr id="10" name="Picture 9"/>
+          <p:cNvPicPr>
+            <a:picLocks noChangeAspect="1"/>
+          </p:cNvPicPr>
+          <p:nvPr/>
+        </p:nvPicPr>
+        <p:blipFill>
+          <a:blip r:embed="rId4"/>
+          <a:stretch>
+            <a:fillRect/>
+          </a:stretch>
+        </p:blipFill>
+        <p:spPr>
+          <a:xfrm>
+            <a:off x="1585910" y="3864155"/>
+            <a:ext cx="9085658" cy="2330057"/>
+          </a:xfrm>
+          <a:prstGeom prst="rect">
+            <a:avLst/>
+          </a:prstGeom>
+        </p:spPr>
+      </p:pic>
+    </p:spTree>
+    <p:extLst>
+      <p:ext uri="{BB962C8B-B14F-4D97-AF65-F5344CB8AC3E}">
+        <p14:creationId xmlns:p14="http://schemas.microsoft.com/office/powerpoint/2010/main" val="3280631440"/>
+      </p:ext>
+    </p:extLst>
+  </p:cSld>
+  <p:clrMapOvr>
+    <a:masterClrMapping/>
+  </p:clrMapOvr>
+  <p:timing>
+    <p:tnLst>
+      <p:par>
+        <p:cTn id="1" dur="indefinite" restart="never" nodeType="tmRoot"/>
+      </p:par>
+    </p:tnLst>
+  </p:timing>
+</p:sld>
+</file>
+
+<file path=ppt/slides/slide21.xml><?xml version="1.0" encoding="utf-8"?>
 <p:sld xmlns:a="http://schemas.openxmlformats.org/drawingml/2006/main" xmlns:r="http://schemas.openxmlformats.org/officeDocument/2006/relationships" xmlns:p="http://schemas.openxmlformats.org/presentationml/2006/main">
   <p:cSld>
     <p:spTree>
@@ -29611,7 +30057,7 @@
 </p:sld>
 </file>
 
-<file path=ppt/slides/slide21.xml><?xml version="1.0" encoding="utf-8"?>
+<file path=ppt/slides/slide22.xml><?xml version="1.0" encoding="utf-8"?>
 <p:sld xmlns:a="http://schemas.openxmlformats.org/drawingml/2006/main" xmlns:r="http://schemas.openxmlformats.org/officeDocument/2006/relationships" xmlns:p="http://schemas.openxmlformats.org/presentationml/2006/main">
   <p:cSld>
     <p:spTree>
@@ -29727,7 +30173,7 @@
 </p:sld>
 </file>
 
-<file path=ppt/slides/slide22.xml><?xml version="1.0" encoding="utf-8"?>
+<file path=ppt/slides/slide23.xml><?xml version="1.0" encoding="utf-8"?>
 <p:sld xmlns:a="http://schemas.openxmlformats.org/drawingml/2006/main" xmlns:r="http://schemas.openxmlformats.org/officeDocument/2006/relationships" xmlns:p="http://schemas.openxmlformats.org/presentationml/2006/main">
   <p:cSld>
     <p:spTree>
@@ -29784,8 +30230,8 @@
         </p:nvSpPr>
         <p:spPr>
           <a:xfrm>
-            <a:off x="1925781" y="1440873"/>
-            <a:ext cx="5514110" cy="725267"/>
+            <a:off x="1925780" y="1440873"/>
+            <a:ext cx="9783619" cy="725267"/>
           </a:xfrm>
         </p:spPr>
         <p:txBody>
@@ -29818,6 +30264,37 @@
             </a:endParaRPr>
           </a:p>
           <a:p>
+            <a:r>
+              <a:rPr lang="en-IN" sz="2000" dirty="0"/>
+              <a:t>[2] R. He, J. </a:t>
+            </a:r>
+            <a:r>
+              <a:rPr lang="en-IN" sz="2000" dirty="0" err="1"/>
+              <a:t>McAuley</a:t>
+            </a:r>
+            <a:r>
+              <a:rPr lang="en-IN" sz="2000" dirty="0"/>
+              <a:t>. </a:t>
+            </a:r>
+            <a:r>
+              <a:rPr lang="en-IN" sz="2000" dirty="0" err="1"/>
+              <a:t>Modeling</a:t>
+            </a:r>
+            <a:r>
+              <a:rPr lang="en-IN" sz="2000" dirty="0"/>
+              <a:t> the visual evolution of fashion trends with one-class collaborative </a:t>
+            </a:r>
+            <a:r>
+              <a:rPr lang="en-IN" sz="2000" dirty="0" smtClean="0"/>
+              <a:t>filtering. WWW</a:t>
+            </a:r>
+            <a:r>
+              <a:rPr lang="en-IN" sz="2000" dirty="0"/>
+              <a:t>, 2016</a:t>
+            </a:r>
+            <a:br>
+              <a:rPr lang="en-IN" sz="2000" dirty="0"/>
+            </a:br>
             <a:endParaRPr lang="en-IN" sz="700" dirty="0">
               <a:latin typeface="+mj-lt"/>
             </a:endParaRPr>
@@ -29904,7 +30381,7 @@
         <p:spPr>
           <a:xfrm>
             <a:off x="1441857" y="1208722"/>
-            <a:ext cx="11118448" cy="4351338"/>
+            <a:ext cx="11118448" cy="2283778"/>
           </a:xfrm>
         </p:spPr>
         <p:txBody>
@@ -29917,9 +30394,6 @@
               <a:rPr lang="en-IN" dirty="0" smtClean="0"/>
               <a:t>Amazon Go store [1]: </a:t>
             </a:r>
-          </a:p>
-          <a:p>
-            <a:endParaRPr lang="en-IN" dirty="0" smtClean="0"/>
           </a:p>
           <a:p>
             <a:pPr lvl="1"/>
@@ -29952,7 +30426,7 @@
         </p:nvSpPr>
         <p:spPr>
           <a:xfrm>
-            <a:off x="10210413" y="6419088"/>
+            <a:off x="9562713" y="6304788"/>
             <a:ext cx="2353443" cy="276999"/>
           </a:xfrm>
           <a:prstGeom prst="rect">
@@ -29967,8 +30441,16 @@
           <a:lstStyle/>
           <a:p>
             <a:r>
+              <a:rPr lang="en-IN" sz="1200" dirty="0" smtClean="0"/>
+              <a:t>[1]</a:t>
+            </a:r>
+            <a:r>
+              <a:rPr lang="en-IN" sz="1200" dirty="0" smtClean="0"/>
+              <a:t> </a:t>
+            </a:r>
+            <a:r>
               <a:rPr lang="en-IN" sz="1200" dirty="0"/>
-              <a:t>1. https://www.amazon.com</a:t>
+              <a:t>https://www.amazon.com</a:t>
             </a:r>
           </a:p>
         </p:txBody>
@@ -30050,8 +30532,8 @@
         </p:nvSpPr>
         <p:spPr>
           <a:xfrm>
-            <a:off x="1149096" y="2301113"/>
-            <a:ext cx="10515600" cy="2545207"/>
+            <a:off x="1149096" y="1638301"/>
+            <a:ext cx="10515600" cy="3208020"/>
           </a:xfrm>
         </p:spPr>
         <p:txBody>
@@ -30060,37 +30542,61 @@
           <a:p>
             <a:r>
               <a:rPr lang="en-IN" dirty="0" smtClean="0"/>
-              <a:t>LCD display to RF sensor connection</a:t>
-            </a:r>
-          </a:p>
-          <a:p>
-            <a:r>
-              <a:rPr lang="en-IN" dirty="0" smtClean="0"/>
-              <a:t>RF data transfer through </a:t>
-            </a:r>
-            <a:r>
-              <a:rPr lang="en-IN" dirty="0" err="1" smtClean="0"/>
-              <a:t>Nodemcu</a:t>
+              <a:t>LCD gets the details from the RF tags</a:t>
             </a:r>
             <a:endParaRPr lang="en-IN" dirty="0" smtClean="0"/>
           </a:p>
           <a:p>
             <a:r>
               <a:rPr lang="en-IN" dirty="0" smtClean="0"/>
-              <a:t>Save the product data in cloud</a:t>
+              <a:t>Data </a:t>
+            </a:r>
+            <a:r>
+              <a:rPr lang="en-IN" dirty="0" smtClean="0"/>
+              <a:t>transfer </a:t>
+            </a:r>
+            <a:r>
+              <a:rPr lang="en-IN" dirty="0" smtClean="0"/>
+              <a:t>from the RFID reader to No the </a:t>
+            </a:r>
+            <a:r>
+              <a:rPr lang="en-IN" dirty="0" err="1" smtClean="0"/>
+              <a:t>nodemcu</a:t>
             </a:r>
             <a:endParaRPr lang="en-IN" dirty="0" smtClean="0"/>
           </a:p>
           <a:p>
             <a:r>
               <a:rPr lang="en-IN" dirty="0" smtClean="0"/>
-              <a:t>Suggest related products from processed amazon metadata of 1million </a:t>
+              <a:t>Send dat</a:t>
             </a:r>
             <a:r>
               <a:rPr lang="en-IN" dirty="0" smtClean="0"/>
-              <a:t>products[2] </a:t>
+              <a:t>a from the </a:t>
+            </a:r>
+            <a:r>
+              <a:rPr lang="en-IN" dirty="0" err="1" smtClean="0"/>
+              <a:t>nodemcu</a:t>
+            </a:r>
+            <a:r>
+              <a:rPr lang="en-IN" dirty="0" smtClean="0"/>
+              <a:t> to a </a:t>
+            </a:r>
+            <a:r>
+              <a:rPr lang="en-IN" dirty="0" smtClean="0"/>
+              <a:t>remote cloud database (webhosting service)</a:t>
             </a:r>
             <a:endParaRPr lang="en-IN" dirty="0" smtClean="0"/>
+          </a:p>
+          <a:p>
+            <a:r>
+              <a:rPr lang="en-IN" dirty="0" smtClean="0"/>
+              <a:t>Uses Machine Learning to suggest </a:t>
+            </a:r>
+            <a:r>
+              <a:rPr lang="en-IN" dirty="0" smtClean="0"/>
+              <a:t>related products from processed amazon metadata of 1million products[2] </a:t>
+            </a:r>
           </a:p>
           <a:p>
             <a:endParaRPr lang="en-IN" dirty="0"/>
@@ -30273,34 +30779,57 @@
             <p:ph type="title"/>
           </p:nvPr>
         </p:nvSpPr>
-        <p:spPr/>
+        <p:spPr>
+          <a:xfrm>
+            <a:off x="1116011" y="-342900"/>
+            <a:ext cx="10018713" cy="1752599"/>
+          </a:xfrm>
+        </p:spPr>
         <p:txBody>
           <a:bodyPr/>
           <a:lstStyle/>
           <a:p>
+            <a:r>
+              <a:rPr lang="en-IN" dirty="0" smtClean="0"/>
+              <a:t>Block Representation</a:t>
+            </a:r>
             <a:endParaRPr lang="en-IN" dirty="0"/>
           </a:p>
         </p:txBody>
       </p:sp>
-      <p:sp>
-        <p:nvSpPr>
-          <p:cNvPr id="3" name="Content Placeholder 2"/>
-          <p:cNvSpPr>
-            <a:spLocks noGrp="1"/>
-          </p:cNvSpPr>
-          <p:nvPr>
-            <p:ph idx="1"/>
-          </p:nvPr>
-        </p:nvSpPr>
-        <p:spPr/>
-        <p:txBody>
-          <a:bodyPr/>
-          <a:lstStyle/>
-          <a:p>
-            <a:endParaRPr lang="en-IN"/>
-          </a:p>
-        </p:txBody>
-      </p:sp>
+      <p:pic>
+        <p:nvPicPr>
+          <p:cNvPr id="4" name="Picture 3"/>
+          <p:cNvPicPr/>
+          <p:nvPr/>
+        </p:nvPicPr>
+        <p:blipFill>
+          <a:blip r:embed="rId2">
+            <a:extLst>
+              <a:ext uri="{28A0092B-C50C-407E-A947-70E740481C1C}">
+                <a14:useLocalDpi xmlns:a14="http://schemas.microsoft.com/office/drawing/2010/main" val="0"/>
+              </a:ext>
+            </a:extLst>
+          </a:blip>
+          <a:stretch>
+            <a:fillRect/>
+          </a:stretch>
+        </p:blipFill>
+        <p:spPr>
+          <a:xfrm>
+            <a:off x="3830954" y="1150938"/>
+            <a:ext cx="4957445" cy="4919662"/>
+          </a:xfrm>
+          <a:prstGeom prst="rect">
+            <a:avLst/>
+          </a:prstGeom>
+          <a:ln>
+            <a:solidFill>
+              <a:schemeClr val="tx1"/>
+            </a:solidFill>
+          </a:ln>
+        </p:spPr>
+      </p:pic>
     </p:spTree>
     <p:extLst>
       <p:ext uri="{BB962C8B-B14F-4D97-AF65-F5344CB8AC3E}">
@@ -30378,8 +30907,8 @@
         </p:nvSpPr>
         <p:spPr>
           <a:xfrm>
-            <a:off x="1702260" y="1519866"/>
-            <a:ext cx="11649617" cy="2972712"/>
+            <a:off x="1575261" y="1358900"/>
+            <a:ext cx="9588040" cy="2006600"/>
           </a:xfrm>
         </p:spPr>
         <p:txBody>
@@ -30388,19 +30917,13 @@
           </a:bodyPr>
           <a:lstStyle/>
           <a:p>
-            <a:pPr marL="0" indent="0">
-              <a:buNone/>
-            </a:pPr>
-            <a:endParaRPr lang="en-IN" dirty="0" smtClean="0"/>
-          </a:p>
-          <a:p>
             <a:r>
               <a:rPr lang="en-IN" dirty="0" smtClean="0"/>
-              <a:t>We assume that every individual has a </a:t>
+              <a:t>We </a:t>
             </a:r>
             <a:r>
               <a:rPr lang="en-IN" dirty="0" smtClean="0"/>
-              <a:t>smartphone</a:t>
+              <a:t>assume that every individual has a smartphone</a:t>
             </a:r>
           </a:p>
           <a:p>
